--- a/documentation/Presentation.pptx
+++ b/documentation/Presentation.pptx
@@ -9,8 +9,10 @@
     <p:sldId id="257" r:id="rId3"/>
     <p:sldId id="258" r:id="rId4"/>
     <p:sldId id="259" r:id="rId5"/>
-    <p:sldId id="260" r:id="rId6"/>
-    <p:sldId id="261" r:id="rId7"/>
+    <p:sldId id="262" r:id="rId6"/>
+    <p:sldId id="263" r:id="rId7"/>
+    <p:sldId id="260" r:id="rId8"/>
+    <p:sldId id="261" r:id="rId9"/>
   </p:sldIdLst>
   <p:sldSz cx="12192000" cy="6858000"/>
   <p:notesSz cx="6858000" cy="9144000"/>
@@ -264,7 +266,7 @@
           <a:p>
             <a:fld id="{76969C88-B244-455D-A017-012B25B1ACDD}" type="datetimeFigureOut">
               <a:rPr lang="en-US" smtClean="0"/>
-              <a:t>3/16/2022</a:t>
+              <a:t>3/23/2022</a:t>
             </a:fld>
             <a:endParaRPr lang="en-US"/>
           </a:p>
@@ -318,7 +320,7 @@
           <a:p>
             <a:fld id="{07CE569E-9B7C-4CB9-AB80-C0841F922CFF}" type="slidenum">
               <a:rPr lang="en-US" smtClean="0"/>
-              <a:t>‹Nr.›</a:t>
+              <a:t>‹#›</a:t>
             </a:fld>
             <a:endParaRPr lang="en-US"/>
           </a:p>
@@ -462,7 +464,7 @@
           <a:p>
             <a:fld id="{76969C88-B244-455D-A017-012B25B1ACDD}" type="datetimeFigureOut">
               <a:rPr lang="en-US" smtClean="0"/>
-              <a:t>3/16/2022</a:t>
+              <a:t>3/23/2022</a:t>
             </a:fld>
             <a:endParaRPr lang="en-US"/>
           </a:p>
@@ -516,7 +518,7 @@
           <a:p>
             <a:fld id="{07CE569E-9B7C-4CB9-AB80-C0841F922CFF}" type="slidenum">
               <a:rPr lang="en-US" smtClean="0"/>
-              <a:t>‹Nr.›</a:t>
+              <a:t>‹#›</a:t>
             </a:fld>
             <a:endParaRPr lang="en-US"/>
           </a:p>
@@ -670,7 +672,7 @@
           <a:p>
             <a:fld id="{76969C88-B244-455D-A017-012B25B1ACDD}" type="datetimeFigureOut">
               <a:rPr lang="en-US" smtClean="0"/>
-              <a:t>3/16/2022</a:t>
+              <a:t>3/23/2022</a:t>
             </a:fld>
             <a:endParaRPr lang="en-US"/>
           </a:p>
@@ -724,7 +726,7 @@
           <a:p>
             <a:fld id="{07CE569E-9B7C-4CB9-AB80-C0841F922CFF}" type="slidenum">
               <a:rPr lang="en-US" smtClean="0"/>
-              <a:t>‹Nr.›</a:t>
+              <a:t>‹#›</a:t>
             </a:fld>
             <a:endParaRPr lang="en-US"/>
           </a:p>
@@ -869,7 +871,7 @@
           <a:p>
             <a:fld id="{76969C88-B244-455D-A017-012B25B1ACDD}" type="datetimeFigureOut">
               <a:rPr lang="en-US" smtClean="0"/>
-              <a:t>3/16/2022</a:t>
+              <a:t>3/23/2022</a:t>
             </a:fld>
             <a:endParaRPr lang="en-US"/>
           </a:p>
@@ -923,7 +925,7 @@
           <a:p>
             <a:fld id="{07CE569E-9B7C-4CB9-AB80-C0841F922CFF}" type="slidenum">
               <a:rPr lang="en-US" smtClean="0"/>
-              <a:t>‹Nr.›</a:t>
+              <a:t>‹#›</a:t>
             </a:fld>
             <a:endParaRPr lang="en-US"/>
           </a:p>
@@ -1144,7 +1146,7 @@
           <a:p>
             <a:fld id="{76969C88-B244-455D-A017-012B25B1ACDD}" type="datetimeFigureOut">
               <a:rPr lang="en-US" smtClean="0"/>
-              <a:t>3/16/2022</a:t>
+              <a:t>3/23/2022</a:t>
             </a:fld>
             <a:endParaRPr lang="en-US"/>
           </a:p>
@@ -1198,7 +1200,7 @@
           <a:p>
             <a:fld id="{07CE569E-9B7C-4CB9-AB80-C0841F922CFF}" type="slidenum">
               <a:rPr lang="en-US" smtClean="0"/>
-              <a:t>‹Nr.›</a:t>
+              <a:t>‹#›</a:t>
             </a:fld>
             <a:endParaRPr lang="en-US"/>
           </a:p>
@@ -1409,7 +1411,7 @@
           <a:p>
             <a:fld id="{76969C88-B244-455D-A017-012B25B1ACDD}" type="datetimeFigureOut">
               <a:rPr lang="en-US" smtClean="0"/>
-              <a:t>3/16/2022</a:t>
+              <a:t>3/23/2022</a:t>
             </a:fld>
             <a:endParaRPr lang="en-US"/>
           </a:p>
@@ -1463,7 +1465,7 @@
           <a:p>
             <a:fld id="{07CE569E-9B7C-4CB9-AB80-C0841F922CFF}" type="slidenum">
               <a:rPr lang="en-US" smtClean="0"/>
-              <a:t>‹Nr.›</a:t>
+              <a:t>‹#›</a:t>
             </a:fld>
             <a:endParaRPr lang="en-US"/>
           </a:p>
@@ -1821,7 +1823,7 @@
           <a:p>
             <a:fld id="{76969C88-B244-455D-A017-012B25B1ACDD}" type="datetimeFigureOut">
               <a:rPr lang="en-US" smtClean="0"/>
-              <a:t>3/16/2022</a:t>
+              <a:t>3/23/2022</a:t>
             </a:fld>
             <a:endParaRPr lang="en-US"/>
           </a:p>
@@ -1875,7 +1877,7 @@
           <a:p>
             <a:fld id="{07CE569E-9B7C-4CB9-AB80-C0841F922CFF}" type="slidenum">
               <a:rPr lang="en-US" smtClean="0"/>
-              <a:t>‹Nr.›</a:t>
+              <a:t>‹#›</a:t>
             </a:fld>
             <a:endParaRPr lang="en-US"/>
           </a:p>
@@ -1962,7 +1964,7 @@
           <a:p>
             <a:fld id="{76969C88-B244-455D-A017-012B25B1ACDD}" type="datetimeFigureOut">
               <a:rPr lang="en-US" smtClean="0"/>
-              <a:t>3/16/2022</a:t>
+              <a:t>3/23/2022</a:t>
             </a:fld>
             <a:endParaRPr lang="en-US"/>
           </a:p>
@@ -2016,7 +2018,7 @@
           <a:p>
             <a:fld id="{07CE569E-9B7C-4CB9-AB80-C0841F922CFF}" type="slidenum">
               <a:rPr lang="en-US" smtClean="0"/>
-              <a:t>‹Nr.›</a:t>
+              <a:t>‹#›</a:t>
             </a:fld>
             <a:endParaRPr lang="en-US"/>
           </a:p>
@@ -2075,7 +2077,7 @@
           <a:p>
             <a:fld id="{76969C88-B244-455D-A017-012B25B1ACDD}" type="datetimeFigureOut">
               <a:rPr lang="en-US" smtClean="0"/>
-              <a:t>3/16/2022</a:t>
+              <a:t>3/23/2022</a:t>
             </a:fld>
             <a:endParaRPr lang="en-US"/>
           </a:p>
@@ -2129,7 +2131,7 @@
           <a:p>
             <a:fld id="{07CE569E-9B7C-4CB9-AB80-C0841F922CFF}" type="slidenum">
               <a:rPr lang="en-US" smtClean="0"/>
-              <a:t>‹Nr.›</a:t>
+              <a:t>‹#›</a:t>
             </a:fld>
             <a:endParaRPr lang="en-US"/>
           </a:p>
@@ -2387,7 +2389,7 @@
           <a:p>
             <a:fld id="{76969C88-B244-455D-A017-012B25B1ACDD}" type="datetimeFigureOut">
               <a:rPr lang="en-US" smtClean="0"/>
-              <a:t>3/16/2022</a:t>
+              <a:t>3/23/2022</a:t>
             </a:fld>
             <a:endParaRPr lang="en-US"/>
           </a:p>
@@ -2441,7 +2443,7 @@
           <a:p>
             <a:fld id="{07CE569E-9B7C-4CB9-AB80-C0841F922CFF}" type="slidenum">
               <a:rPr lang="en-US" smtClean="0"/>
-              <a:t>‹Nr.›</a:t>
+              <a:t>‹#›</a:t>
             </a:fld>
             <a:endParaRPr lang="en-US"/>
           </a:p>
@@ -2678,7 +2680,7 @@
           <a:p>
             <a:fld id="{76969C88-B244-455D-A017-012B25B1ACDD}" type="datetimeFigureOut">
               <a:rPr lang="en-US" smtClean="0"/>
-              <a:t>3/16/2022</a:t>
+              <a:t>3/23/2022</a:t>
             </a:fld>
             <a:endParaRPr lang="en-US"/>
           </a:p>
@@ -2732,7 +2734,7 @@
           <a:p>
             <a:fld id="{07CE569E-9B7C-4CB9-AB80-C0841F922CFF}" type="slidenum">
               <a:rPr lang="en-US" smtClean="0"/>
-              <a:t>‹Nr.›</a:t>
+              <a:t>‹#›</a:t>
             </a:fld>
             <a:endParaRPr lang="en-US"/>
           </a:p>
@@ -3434,7 +3436,7 @@
             <a:fld id="{76969C88-B244-455D-A017-012B25B1ACDD}" type="datetimeFigureOut">
               <a:rPr lang="en-US" smtClean="0"/>
               <a:pPr/>
-              <a:t>3/16/2022</a:t>
+              <a:t>3/23/2022</a:t>
             </a:fld>
             <a:endParaRPr lang="en-US"/>
           </a:p>
@@ -3527,7 +3529,7 @@
             <a:fld id="{07CE569E-9B7C-4CB9-AB80-C0841F922CFF}" type="slidenum">
               <a:rPr lang="en-US" smtClean="0"/>
               <a:pPr/>
-              <a:t>‹Nr.›</a:t>
+              <a:t>‹#›</a:t>
             </a:fld>
             <a:endParaRPr lang="en-US"/>
           </a:p>
@@ -3880,7 +3882,7 @@
                 <a16:creationId xmlns:a16="http://schemas.microsoft.com/office/drawing/2014/main" id="{7A18C9FB-EC4C-4DAE-8F7D-C6E5AF607958}"/>
               </a:ext>
               <a:ext uri="{C183D7F6-B498-43B3-948B-1728B52AA6E4}">
-                <adec:decorative xmlns:adec="http://schemas.microsoft.com/office/drawing/2017/decorative" val="1"/>
+                <adec:decorative xmlns:adec="http://schemas.microsoft.com/office/drawing/2017/decorative" xmlns="" val="1"/>
               </a:ext>
             </a:extLst>
           </p:cNvPr>
@@ -4031,7 +4033,7 @@
                 <a16:creationId xmlns:a16="http://schemas.microsoft.com/office/drawing/2014/main" id="{3B2B1500-BB55-471C-8A9E-67288297ECE1}"/>
               </a:ext>
               <a:ext uri="{C183D7F6-B498-43B3-948B-1728B52AA6E4}">
-                <adec:decorative xmlns:adec="http://schemas.microsoft.com/office/drawing/2017/decorative" val="1"/>
+                <adec:decorative xmlns:adec="http://schemas.microsoft.com/office/drawing/2017/decorative" xmlns="" val="1"/>
               </a:ext>
             </a:extLst>
           </p:cNvPr>
@@ -4185,7 +4187,7 @@
                 <a16:creationId xmlns:a16="http://schemas.microsoft.com/office/drawing/2014/main" id="{3045E22C-A99D-41BB-AF14-EF1B1E745A70}"/>
               </a:ext>
               <a:ext uri="{C183D7F6-B498-43B3-948B-1728B52AA6E4}">
-                <adec:decorative xmlns:adec="http://schemas.microsoft.com/office/drawing/2017/decorative" val="1"/>
+                <adec:decorative xmlns:adec="http://schemas.microsoft.com/office/drawing/2017/decorative" xmlns="" val="1"/>
               </a:ext>
             </a:extLst>
           </p:cNvPr>
@@ -4398,14 +4400,39 @@
         </p:spPr>
         <p:txBody>
           <a:bodyPr anchor="b">
-            <a:normAutofit/>
+            <a:normAutofit fontScale="92500" lnSpcReduction="20000"/>
           </a:bodyPr>
           <a:lstStyle/>
           <a:p>
             <a:pPr algn="l"/>
             <a:r>
+              <a:rPr lang="de-CH" dirty="0" smtClean="0"/>
+              <a:t>Arnold</a:t>
+            </a:r>
+            <a:br>
+              <a:rPr lang="de-CH" dirty="0" smtClean="0"/>
+            </a:br>
+            <a:r>
+              <a:rPr lang="de-CH" dirty="0" smtClean="0"/>
+              <a:t>Eugster</a:t>
+            </a:r>
+            <a:br>
+              <a:rPr lang="de-CH" dirty="0" smtClean="0"/>
+            </a:br>
+            <a:r>
+              <a:rPr lang="de-CH" dirty="0" smtClean="0"/>
+              <a:t>Schürmann </a:t>
+            </a:r>
+            <a:r>
               <a:rPr lang="de-CH" dirty="0"/>
-              <a:t>Bindestriche?</a:t>
+              <a:t/>
+            </a:r>
+            <a:br>
+              <a:rPr lang="de-CH" dirty="0"/>
+            </a:br>
+            <a:r>
+              <a:rPr lang="de-CH" dirty="0" smtClean="0"/>
+              <a:t>Steiner</a:t>
             </a:r>
           </a:p>
         </p:txBody>
@@ -4428,8 +4455,8 @@
         </p:nvSpPr>
         <p:spPr>
           <a:xfrm>
-            <a:off x="7620000" y="2299787"/>
-            <a:ext cx="3810000" cy="2286000"/>
+            <a:off x="6849208" y="2299787"/>
+            <a:ext cx="4580792" cy="2286000"/>
           </a:xfrm>
         </p:spPr>
         <p:txBody>
@@ -4440,17 +4467,10 @@
           <a:p>
             <a:pPr algn="l"/>
             <a:r>
-              <a:rPr lang="de-CH" sz="4400" dirty="0"/>
-              <a:t>Tic-</a:t>
-            </a:r>
-            <a:r>
-              <a:rPr lang="de-CH" sz="4400" dirty="0" err="1"/>
-              <a:t>Tac</a:t>
-            </a:r>
-            <a:r>
-              <a:rPr lang="de-CH" sz="4400" dirty="0"/>
-              <a:t>-Toe</a:t>
-            </a:r>
+              <a:rPr lang="de-CH" sz="4400" dirty="0" smtClean="0"/>
+              <a:t>M426_TicTacToe</a:t>
+            </a:r>
+            <a:endParaRPr lang="de-CH" sz="4400" dirty="0"/>
           </a:p>
         </p:txBody>
       </p:sp>
@@ -4592,7 +4612,7 @@
                 <a16:creationId xmlns:a16="http://schemas.microsoft.com/office/drawing/2014/main" id="{987A0FBA-CC04-4256-A8EB-BB3C543E989C}"/>
               </a:ext>
               <a:ext uri="{C183D7F6-B498-43B3-948B-1728B52AA6E4}">
-                <adec:decorative xmlns:adec="http://schemas.microsoft.com/office/drawing/2017/decorative" val="1"/>
+                <adec:decorative xmlns:adec="http://schemas.microsoft.com/office/drawing/2017/decorative" xmlns="" val="1"/>
               </a:ext>
             </a:extLst>
           </p:cNvPr>
@@ -4668,7 +4688,7 @@
                 <a16:creationId xmlns:a16="http://schemas.microsoft.com/office/drawing/2014/main" id="{3E9B86C0-FDA1-4FEB-807F-B6CA59CE897F}"/>
               </a:ext>
               <a:ext uri="{C183D7F6-B498-43B3-948B-1728B52AA6E4}">
-                <adec:decorative xmlns:adec="http://schemas.microsoft.com/office/drawing/2017/decorative" val="1"/>
+                <adec:decorative xmlns:adec="http://schemas.microsoft.com/office/drawing/2017/decorative" xmlns="" val="1"/>
               </a:ext>
             </a:extLst>
           </p:cNvPr>
@@ -4834,7 +4854,7 @@
                 <a16:creationId xmlns:a16="http://schemas.microsoft.com/office/drawing/2014/main" id="{3362A0EA-3E81-4464-94B8-70BE5870EDC0}"/>
               </a:ext>
               <a:ext uri="{C183D7F6-B498-43B3-948B-1728B52AA6E4}">
-                <adec:decorative xmlns:adec="http://schemas.microsoft.com/office/drawing/2017/decorative" val="1"/>
+                <adec:decorative xmlns:adec="http://schemas.microsoft.com/office/drawing/2017/decorative" xmlns="" val="1"/>
               </a:ext>
             </a:extLst>
           </p:cNvPr>
@@ -5034,9 +5054,10 @@
           <a:lstStyle/>
           <a:p>
             <a:r>
-              <a:rPr lang="de-CH" sz="6600" dirty="0"/>
-              <a:t>Vorstellung</a:t>
-            </a:r>
+              <a:rPr lang="de-CH" sz="6600" dirty="0" smtClean="0"/>
+              <a:t>Demo</a:t>
+            </a:r>
+            <a:endParaRPr lang="de-CH" sz="6600" dirty="0"/>
           </a:p>
         </p:txBody>
       </p:sp>
@@ -5092,9 +5113,10 @@
           <a:lstStyle/>
           <a:p>
             <a:r>
-              <a:rPr lang="de-CH" dirty="0"/>
-              <a:t>Technologie</a:t>
-            </a:r>
+              <a:rPr lang="de-CH" dirty="0" smtClean="0"/>
+              <a:t>Technologien &amp; Tools</a:t>
+            </a:r>
+            <a:endParaRPr lang="de-CH" dirty="0"/>
           </a:p>
         </p:txBody>
       </p:sp>
@@ -5116,15 +5138,64 @@
         </p:nvSpPr>
         <p:spPr/>
         <p:txBody>
-          <a:bodyPr/>
+          <a:bodyPr>
+            <a:normAutofit fontScale="85000" lnSpcReduction="20000"/>
+          </a:bodyPr>
           <a:lstStyle/>
           <a:p>
             <a:r>
-              <a:rPr lang="de-CH" dirty="0"/>
-              <a:t>.NET Core 5.0</a:t>
-            </a:r>
-          </a:p>
-          <a:p>
+              <a:rPr lang="de-CH" dirty="0" smtClean="0"/>
+              <a:t>.NET 5.0</a:t>
+            </a:r>
+          </a:p>
+          <a:p>
+            <a:pPr lvl="1"/>
+            <a:r>
+              <a:rPr lang="de-CH" dirty="0" err="1" smtClean="0"/>
+              <a:t>EntityFramework</a:t>
+            </a:r>
+            <a:endParaRPr lang="de-CH" dirty="0" smtClean="0"/>
+          </a:p>
+          <a:p>
+            <a:pPr lvl="1"/>
+            <a:r>
+              <a:rPr lang="de-CH" dirty="0" smtClean="0"/>
+              <a:t>ASP (MVC)</a:t>
+            </a:r>
+            <a:endParaRPr lang="de-CH" dirty="0" smtClean="0"/>
+          </a:p>
+          <a:p>
+            <a:r>
+              <a:rPr lang="de-CH" dirty="0" smtClean="0"/>
+              <a:t>MSSQL</a:t>
+            </a:r>
+            <a:endParaRPr lang="de-CH" dirty="0" smtClean="0"/>
+          </a:p>
+          <a:p>
+            <a:r>
+              <a:rPr lang="de-CH" dirty="0" err="1" smtClean="0"/>
+              <a:t>SignalR</a:t>
+            </a:r>
+            <a:endParaRPr lang="de-CH" dirty="0" smtClean="0"/>
+          </a:p>
+          <a:p>
+            <a:r>
+              <a:rPr lang="de-CH" dirty="0" smtClean="0"/>
+              <a:t>Docker</a:t>
+            </a:r>
+          </a:p>
+          <a:p>
+            <a:r>
+              <a:rPr lang="de-CH" dirty="0" err="1" smtClean="0"/>
+              <a:t>GitHub</a:t>
+            </a:r>
+            <a:endParaRPr lang="de-CH" dirty="0" smtClean="0"/>
+          </a:p>
+          <a:p>
+            <a:r>
+              <a:rPr lang="de-CH" dirty="0" err="1" smtClean="0"/>
+              <a:t>Jira</a:t>
+            </a:r>
             <a:endParaRPr lang="de-CH" dirty="0"/>
           </a:p>
         </p:txBody>
@@ -5175,7 +5246,7 @@
                 <a16:creationId xmlns:a16="http://schemas.microsoft.com/office/drawing/2014/main" id="{A6EF5A53-0A64-4CA5-B9C7-1CB97CB5CF1C}"/>
               </a:ext>
               <a:ext uri="{C183D7F6-B498-43B3-948B-1728B52AA6E4}">
-                <adec:decorative xmlns:adec="http://schemas.microsoft.com/office/drawing/2017/decorative" val="1"/>
+                <adec:decorative xmlns:adec="http://schemas.microsoft.com/office/drawing/2017/decorative" xmlns="" val="1"/>
               </a:ext>
             </a:extLst>
           </p:cNvPr>
@@ -5370,7 +5441,7 @@
                 <a16:creationId xmlns:a16="http://schemas.microsoft.com/office/drawing/2014/main" id="{34ABFBEA-4EB0-4D02-A2C0-1733CD3D6F12}"/>
               </a:ext>
               <a:ext uri="{C183D7F6-B498-43B3-948B-1728B52AA6E4}">
-                <adec:decorative xmlns:adec="http://schemas.microsoft.com/office/drawing/2017/decorative" val="1"/>
+                <adec:decorative xmlns:adec="http://schemas.microsoft.com/office/drawing/2017/decorative" xmlns="" val="1"/>
               </a:ext>
             </a:extLst>
           </p:cNvPr>
@@ -5505,7 +5576,7 @@
                 <a16:creationId xmlns:a16="http://schemas.microsoft.com/office/drawing/2014/main" id="{19E083F6-57F4-487B-A766-EA0462B1EED8}"/>
               </a:ext>
               <a:ext uri="{C183D7F6-B498-43B3-948B-1728B52AA6E4}">
-                <adec:decorative xmlns:adec="http://schemas.microsoft.com/office/drawing/2017/decorative" val="1"/>
+                <adec:decorative xmlns:adec="http://schemas.microsoft.com/office/drawing/2017/decorative" xmlns="" val="1"/>
               </a:ext>
             </a:extLst>
           </p:cNvPr>
@@ -5719,7 +5790,7 @@
                 <a16:creationId xmlns:a16="http://schemas.microsoft.com/office/drawing/2014/main" id="{7A18C9FB-EC4C-4DAE-8F7D-C6E5AF607958}"/>
               </a:ext>
               <a:ext uri="{C183D7F6-B498-43B3-948B-1728B52AA6E4}">
-                <adec:decorative xmlns:adec="http://schemas.microsoft.com/office/drawing/2017/decorative" val="1"/>
+                <adec:decorative xmlns:adec="http://schemas.microsoft.com/office/drawing/2017/decorative" xmlns="" val="1"/>
               </a:ext>
             </a:extLst>
           </p:cNvPr>
@@ -5797,7 +5868,7 @@
                 <a16:creationId xmlns:a16="http://schemas.microsoft.com/office/drawing/2014/main" id="{CBD8B1E7-EF0A-4118-A804-D7F559784B00}"/>
               </a:ext>
               <a:ext uri="{C183D7F6-B498-43B3-948B-1728B52AA6E4}">
-                <adec:decorative xmlns:adec="http://schemas.microsoft.com/office/drawing/2017/decorative" val="1"/>
+                <adec:decorative xmlns:adec="http://schemas.microsoft.com/office/drawing/2017/decorative" xmlns="" val="1"/>
               </a:ext>
             </a:extLst>
           </p:cNvPr>
@@ -5905,7 +5976,7 @@
                 <a16:creationId xmlns:a16="http://schemas.microsoft.com/office/drawing/2014/main" id="{3B2B1500-BB55-471C-8A9E-67288297ECE1}"/>
               </a:ext>
               <a:ext uri="{C183D7F6-B498-43B3-948B-1728B52AA6E4}">
-                <adec:decorative xmlns:adec="http://schemas.microsoft.com/office/drawing/2017/decorative" val="1"/>
+                <adec:decorative xmlns:adec="http://schemas.microsoft.com/office/drawing/2017/decorative" xmlns="" val="1"/>
               </a:ext>
             </a:extLst>
           </p:cNvPr>
@@ -6059,7 +6130,7 @@
                 <a16:creationId xmlns:a16="http://schemas.microsoft.com/office/drawing/2014/main" id="{3045E22C-A99D-41BB-AF14-EF1B1E745A70}"/>
               </a:ext>
               <a:ext uri="{C183D7F6-B498-43B3-948B-1728B52AA6E4}">
-                <adec:decorative xmlns:adec="http://schemas.microsoft.com/office/drawing/2017/decorative" val="1"/>
+                <adec:decorative xmlns:adec="http://schemas.microsoft.com/office/drawing/2017/decorative" xmlns="" val="1"/>
               </a:ext>
             </a:extLst>
           </p:cNvPr>
@@ -6341,6 +6412,201 @@
 <file path=ppt/slides/slide5.xml><?xml version="1.0" encoding="utf-8"?>
 <p:sld xmlns:a="http://schemas.openxmlformats.org/drawingml/2006/main" xmlns:r="http://schemas.openxmlformats.org/officeDocument/2006/relationships" xmlns:p="http://schemas.openxmlformats.org/presentationml/2006/main">
   <p:cSld>
+    <p:spTree>
+      <p:nvGrpSpPr>
+        <p:cNvPr id="1" name=""/>
+        <p:cNvGrpSpPr/>
+        <p:nvPr/>
+      </p:nvGrpSpPr>
+      <p:grpSpPr>
+        <a:xfrm>
+          <a:off x="0" y="0"/>
+          <a:ext cx="0" cy="0"/>
+          <a:chOff x="0" y="0"/>
+          <a:chExt cx="0" cy="0"/>
+        </a:xfrm>
+      </p:grpSpPr>
+      <p:sp>
+        <p:nvSpPr>
+          <p:cNvPr id="2" name="Title 1"/>
+          <p:cNvSpPr>
+            <a:spLocks noGrp="1"/>
+          </p:cNvSpPr>
+          <p:nvPr>
+            <p:ph type="title"/>
+          </p:nvPr>
+        </p:nvSpPr>
+        <p:spPr/>
+        <p:txBody>
+          <a:bodyPr/>
+          <a:lstStyle/>
+          <a:p>
+            <a:r>
+              <a:rPr lang="de-CH" dirty="0" err="1" smtClean="0"/>
+              <a:t>Scrum</a:t>
+            </a:r>
+            <a:endParaRPr lang="en-US" dirty="0"/>
+          </a:p>
+        </p:txBody>
+      </p:sp>
+      <p:sp>
+        <p:nvSpPr>
+          <p:cNvPr id="7" name="Content Placeholder 6"/>
+          <p:cNvSpPr>
+            <a:spLocks noGrp="1"/>
+          </p:cNvSpPr>
+          <p:nvPr>
+            <p:ph idx="1"/>
+          </p:nvPr>
+        </p:nvSpPr>
+        <p:spPr/>
+        <p:txBody>
+          <a:bodyPr/>
+          <a:lstStyle/>
+          <a:p>
+            <a:r>
+              <a:rPr lang="de-CH" dirty="0" err="1" smtClean="0"/>
+              <a:t>Jira</a:t>
+            </a:r>
+            <a:endParaRPr lang="de-CH" dirty="0" smtClean="0"/>
+          </a:p>
+          <a:p>
+            <a:r>
+              <a:rPr lang="de-CH" dirty="0" err="1" smtClean="0"/>
+              <a:t>Planning</a:t>
+            </a:r>
+            <a:r>
+              <a:rPr lang="de-CH" dirty="0" smtClean="0"/>
+              <a:t> Poker</a:t>
+            </a:r>
+            <a:endParaRPr lang="de-CH" dirty="0"/>
+          </a:p>
+          <a:p>
+            <a:r>
+              <a:rPr lang="de-CH" dirty="0" err="1" smtClean="0"/>
+              <a:t>Increments</a:t>
+            </a:r>
+            <a:r>
+              <a:rPr lang="de-CH" dirty="0" smtClean="0"/>
+              <a:t> (</a:t>
+            </a:r>
+            <a:r>
+              <a:rPr lang="de-CH" dirty="0" err="1" smtClean="0"/>
+              <a:t>GitHub</a:t>
+            </a:r>
+            <a:r>
+              <a:rPr lang="de-CH" dirty="0" smtClean="0"/>
+              <a:t> Releases)</a:t>
+            </a:r>
+          </a:p>
+        </p:txBody>
+      </p:sp>
+    </p:spTree>
+    <p:extLst>
+      <p:ext uri="{BB962C8B-B14F-4D97-AF65-F5344CB8AC3E}">
+        <p14:creationId xmlns:p14="http://schemas.microsoft.com/office/powerpoint/2010/main" val="803135942"/>
+      </p:ext>
+    </p:extLst>
+  </p:cSld>
+  <p:clrMapOvr>
+    <a:masterClrMapping/>
+  </p:clrMapOvr>
+</p:sld>
+</file>
+
+<file path=ppt/slides/slide6.xml><?xml version="1.0" encoding="utf-8"?>
+<p:sld xmlns:a="http://schemas.openxmlformats.org/drawingml/2006/main" xmlns:r="http://schemas.openxmlformats.org/officeDocument/2006/relationships" xmlns:p="http://schemas.openxmlformats.org/presentationml/2006/main">
+  <p:cSld>
+    <p:spTree>
+      <p:nvGrpSpPr>
+        <p:cNvPr id="1" name=""/>
+        <p:cNvGrpSpPr/>
+        <p:nvPr/>
+      </p:nvGrpSpPr>
+      <p:grpSpPr>
+        <a:xfrm>
+          <a:off x="0" y="0"/>
+          <a:ext cx="0" cy="0"/>
+          <a:chOff x="0" y="0"/>
+          <a:chExt cx="0" cy="0"/>
+        </a:xfrm>
+      </p:grpSpPr>
+      <p:sp>
+        <p:nvSpPr>
+          <p:cNvPr id="2" name="Title 1"/>
+          <p:cNvSpPr>
+            <a:spLocks noGrp="1"/>
+          </p:cNvSpPr>
+          <p:nvPr>
+            <p:ph type="title"/>
+          </p:nvPr>
+        </p:nvSpPr>
+        <p:spPr/>
+        <p:txBody>
+          <a:bodyPr/>
+          <a:lstStyle/>
+          <a:p>
+            <a:r>
+              <a:rPr lang="de-CH" dirty="0" err="1" smtClean="0"/>
+              <a:t>Continues</a:t>
+            </a:r>
+            <a:r>
+              <a:rPr lang="de-CH" dirty="0" smtClean="0"/>
+              <a:t> Integration (CI)</a:t>
+            </a:r>
+            <a:endParaRPr lang="en-US" dirty="0"/>
+          </a:p>
+        </p:txBody>
+      </p:sp>
+      <p:sp>
+        <p:nvSpPr>
+          <p:cNvPr id="3" name="Content Placeholder 2"/>
+          <p:cNvSpPr>
+            <a:spLocks noGrp="1"/>
+          </p:cNvSpPr>
+          <p:nvPr>
+            <p:ph idx="1"/>
+          </p:nvPr>
+        </p:nvSpPr>
+        <p:spPr/>
+        <p:txBody>
+          <a:bodyPr/>
+          <a:lstStyle/>
+          <a:p>
+            <a:r>
+              <a:rPr lang="de-CH" dirty="0" smtClean="0"/>
+              <a:t>Unit Tests</a:t>
+            </a:r>
+          </a:p>
+          <a:p>
+            <a:r>
+              <a:rPr lang="de-CH" dirty="0" err="1" smtClean="0"/>
+              <a:t>GitHub</a:t>
+            </a:r>
+            <a:r>
+              <a:rPr lang="de-CH" dirty="0" smtClean="0"/>
+              <a:t> Actions</a:t>
+            </a:r>
+            <a:endParaRPr lang="en-US" dirty="0"/>
+          </a:p>
+        </p:txBody>
+      </p:sp>
+    </p:spTree>
+    <p:extLst>
+      <p:ext uri="{BB962C8B-B14F-4D97-AF65-F5344CB8AC3E}">
+        <p14:creationId xmlns:p14="http://schemas.microsoft.com/office/powerpoint/2010/main" val="3266281056"/>
+      </p:ext>
+    </p:extLst>
+  </p:cSld>
+  <p:clrMapOvr>
+    <a:masterClrMapping/>
+  </p:clrMapOvr>
+</p:sld>
+</file>
+
+<file path=ppt/slides/slide7.xml><?xml version="1.0" encoding="utf-8"?>
+<p:sld xmlns:a="http://schemas.openxmlformats.org/drawingml/2006/main" xmlns:r="http://schemas.openxmlformats.org/officeDocument/2006/relationships" xmlns:p="http://schemas.openxmlformats.org/presentationml/2006/main">
+  <p:cSld>
     <p:bg>
       <p:bgPr>
         <a:solidFill>
@@ -6371,7 +6637,7 @@
                 <a16:creationId xmlns:a16="http://schemas.microsoft.com/office/drawing/2014/main" id="{A6EF5A53-0A64-4CA5-B9C7-1CB97CB5CF1C}"/>
               </a:ext>
               <a:ext uri="{C183D7F6-B498-43B3-948B-1728B52AA6E4}">
-                <adec:decorative xmlns:adec="http://schemas.microsoft.com/office/drawing/2017/decorative" val="1"/>
+                <adec:decorative xmlns:adec="http://schemas.microsoft.com/office/drawing/2017/decorative" xmlns="" val="1"/>
               </a:ext>
             </a:extLst>
           </p:cNvPr>
@@ -6566,7 +6832,7 @@
                 <a16:creationId xmlns:a16="http://schemas.microsoft.com/office/drawing/2014/main" id="{34ABFBEA-4EB0-4D02-A2C0-1733CD3D6F12}"/>
               </a:ext>
               <a:ext uri="{C183D7F6-B498-43B3-948B-1728B52AA6E4}">
-                <adec:decorative xmlns:adec="http://schemas.microsoft.com/office/drawing/2017/decorative" val="1"/>
+                <adec:decorative xmlns:adec="http://schemas.microsoft.com/office/drawing/2017/decorative" xmlns="" val="1"/>
               </a:ext>
             </a:extLst>
           </p:cNvPr>
@@ -6701,7 +6967,7 @@
                 <a16:creationId xmlns:a16="http://schemas.microsoft.com/office/drawing/2014/main" id="{19E083F6-57F4-487B-A766-EA0462B1EED8}"/>
               </a:ext>
               <a:ext uri="{C183D7F6-B498-43B3-948B-1728B52AA6E4}">
-                <adec:decorative xmlns:adec="http://schemas.microsoft.com/office/drawing/2017/decorative" val="1"/>
+                <adec:decorative xmlns:adec="http://schemas.microsoft.com/office/drawing/2017/decorative" xmlns="" val="1"/>
               </a:ext>
             </a:extLst>
           </p:cNvPr>
@@ -6915,7 +7181,7 @@
                 <a16:creationId xmlns:a16="http://schemas.microsoft.com/office/drawing/2014/main" id="{7A18C9FB-EC4C-4DAE-8F7D-C6E5AF607958}"/>
               </a:ext>
               <a:ext uri="{C183D7F6-B498-43B3-948B-1728B52AA6E4}">
-                <adec:decorative xmlns:adec="http://schemas.microsoft.com/office/drawing/2017/decorative" val="1"/>
+                <adec:decorative xmlns:adec="http://schemas.microsoft.com/office/drawing/2017/decorative" xmlns="" val="1"/>
               </a:ext>
             </a:extLst>
           </p:cNvPr>
@@ -7011,7 +7277,7 @@
           <a:lstStyle/>
           <a:p>
             <a:r>
-              <a:rPr lang="en-US" kern="1200" dirty="0" err="1">
+              <a:rPr lang="en-US" kern="1200" dirty="0" err="1" smtClean="0">
                 <a:solidFill>
                   <a:schemeClr val="tx1"/>
                 </a:solidFill>
@@ -7019,7 +7285,7 @@
                 <a:ea typeface="+mj-ea"/>
                 <a:cs typeface="+mj-cs"/>
               </a:rPr>
-              <a:t>Restrospektive</a:t>
+              <a:t>Retrospektive</a:t>
             </a:r>
             <a:endParaRPr lang="en-US" kern="1200" dirty="0">
               <a:solidFill>
@@ -7061,7 +7327,7 @@
           <a:lstStyle/>
           <a:p>
             <a:r>
-              <a:rPr lang="en-US" sz="2400" kern="1200" dirty="0" err="1">
+              <a:rPr lang="de-CH" sz="2400" kern="1200" dirty="0" err="1" smtClean="0">
                 <a:solidFill>
                   <a:schemeClr val="tx1">
                     <a:alpha val="70000"/>
@@ -7071,10 +7337,22 @@
                 <a:ea typeface="+mn-ea"/>
                 <a:cs typeface="+mn-cs"/>
               </a:rPr>
-              <a:t>Mit</a:t>
-            </a:r>
-            <a:r>
-              <a:rPr lang="en-US" sz="2400" kern="1200" dirty="0">
+              <a:t>Anlaufszeit</a:t>
+            </a:r>
+            <a:endParaRPr lang="de-CH" sz="2400" kern="1200" dirty="0" smtClean="0">
+              <a:solidFill>
+                <a:schemeClr val="tx1">
+                  <a:alpha val="70000"/>
+                </a:schemeClr>
+              </a:solidFill>
+              <a:latin typeface="+mn-lt"/>
+              <a:ea typeface="+mn-ea"/>
+              <a:cs typeface="+mn-cs"/>
+            </a:endParaRPr>
+          </a:p>
+          <a:p>
+            <a:r>
+              <a:rPr lang="de-CH" sz="2400" kern="1200" dirty="0" smtClean="0">
                 <a:solidFill>
                   <a:schemeClr val="tx1">
                     <a:alpha val="70000"/>
@@ -7084,10 +7362,14 @@
                 <a:ea typeface="+mn-ea"/>
                 <a:cs typeface="+mn-cs"/>
               </a:rPr>
-              <a:t> </a:t>
-            </a:r>
-            <a:r>
-              <a:rPr lang="en-US" sz="2400" kern="1200" dirty="0" err="1">
+              <a:t>Uneinigkeiten (</a:t>
+            </a:r>
+            <a:r>
+              <a:rPr lang="de-CH" sz="2400" dirty="0" smtClean="0"/>
+              <a:t>DB</a:t>
+            </a:r>
+            <a:r>
+              <a:rPr lang="de-CH" sz="2400" kern="1200" dirty="0" smtClean="0">
                 <a:solidFill>
                   <a:schemeClr val="tx1">
                     <a:alpha val="70000"/>
@@ -7097,10 +7379,42 @@
                 <a:ea typeface="+mn-ea"/>
                 <a:cs typeface="+mn-cs"/>
               </a:rPr>
-              <a:t>allen</a:t>
-            </a:r>
-            <a:r>
-              <a:rPr lang="en-US" sz="2400" kern="1200" dirty="0">
+              <a:t>)</a:t>
+            </a:r>
+            <a:endParaRPr lang="de-CH" sz="2400" kern="1200" dirty="0">
+              <a:solidFill>
+                <a:schemeClr val="tx1">
+                  <a:alpha val="70000"/>
+                </a:schemeClr>
+              </a:solidFill>
+              <a:latin typeface="+mn-lt"/>
+              <a:ea typeface="+mn-ea"/>
+              <a:cs typeface="+mn-cs"/>
+            </a:endParaRPr>
+          </a:p>
+          <a:p>
+            <a:r>
+              <a:rPr lang="de-CH" sz="2400" dirty="0" smtClean="0"/>
+              <a:t>Sinnvolle Aufteilung</a:t>
+            </a:r>
+          </a:p>
+          <a:p>
+            <a:pPr lvl="1"/>
+            <a:r>
+              <a:rPr lang="de-CH" sz="2000" dirty="0" smtClean="0"/>
+              <a:t>Tasks</a:t>
+            </a:r>
+          </a:p>
+          <a:p>
+            <a:pPr lvl="1"/>
+            <a:r>
+              <a:rPr lang="de-CH" sz="2000" dirty="0" smtClean="0"/>
+              <a:t>Team</a:t>
+            </a:r>
+          </a:p>
+          <a:p>
+            <a:r>
+              <a:rPr lang="de-CH" sz="2400" kern="1200" dirty="0" smtClean="0">
                 <a:solidFill>
                   <a:schemeClr val="tx1">
                     <a:alpha val="70000"/>
@@ -7110,21 +7424,10 @@
                 <a:ea typeface="+mn-ea"/>
                 <a:cs typeface="+mn-cs"/>
               </a:rPr>
-              <a:t> </a:t>
-            </a:r>
-            <a:r>
-              <a:rPr lang="en-US" sz="2400" kern="1200" dirty="0" err="1">
-                <a:solidFill>
-                  <a:schemeClr val="tx1">
-                    <a:alpha val="70000"/>
-                  </a:schemeClr>
-                </a:solidFill>
-                <a:latin typeface="+mn-lt"/>
-                <a:ea typeface="+mn-ea"/>
-                <a:cs typeface="+mn-cs"/>
-              </a:rPr>
-              <a:t>angucken</a:t>
-            </a:r>
+              <a:t>Kommunikation</a:t>
+            </a:r>
+          </a:p>
+          <a:p>
             <a:endParaRPr lang="en-US" sz="2400" kern="1200" dirty="0">
               <a:solidFill>
                 <a:schemeClr val="tx1">
@@ -7146,7 +7449,7 @@
                 <a16:creationId xmlns:a16="http://schemas.microsoft.com/office/drawing/2014/main" id="{E6958E70-80C5-4642-B5AC-ACDBCB130671}"/>
               </a:ext>
               <a:ext uri="{C183D7F6-B498-43B3-948B-1728B52AA6E4}">
-                <adec:decorative xmlns:adec="http://schemas.microsoft.com/office/drawing/2017/decorative" val="1"/>
+                <adec:decorative xmlns:adec="http://schemas.microsoft.com/office/drawing/2017/decorative" xmlns="" val="1"/>
               </a:ext>
             </a:extLst>
           </p:cNvPr>
@@ -7310,7 +7613,7 @@
                 <a16:creationId xmlns:a16="http://schemas.microsoft.com/office/drawing/2014/main" id="{3DC8DFAE-D351-4C9E-B50E-9D415540409A}"/>
               </a:ext>
               <a:ext uri="{C183D7F6-B498-43B3-948B-1728B52AA6E4}">
-                <adec:decorative xmlns:adec="http://schemas.microsoft.com/office/drawing/2017/decorative" val="1"/>
+                <adec:decorative xmlns:adec="http://schemas.microsoft.com/office/drawing/2017/decorative" xmlns="" val="1"/>
               </a:ext>
             </a:extLst>
           </p:cNvPr>
@@ -7480,7 +7783,7 @@
 </p:sld>
 </file>
 
-<file path=ppt/slides/slide6.xml><?xml version="1.0" encoding="utf-8"?>
+<file path=ppt/slides/slide8.xml><?xml version="1.0" encoding="utf-8"?>
 <p:sld xmlns:a="http://schemas.openxmlformats.org/drawingml/2006/main" xmlns:r="http://schemas.openxmlformats.org/officeDocument/2006/relationships" xmlns:p="http://schemas.openxmlformats.org/presentationml/2006/main">
   <p:cSld>
     <p:bg>
@@ -7513,7 +7816,7 @@
                 <a16:creationId xmlns:a16="http://schemas.microsoft.com/office/drawing/2014/main" id="{A6EF5A53-0A64-4CA5-B9C7-1CB97CB5CF1C}"/>
               </a:ext>
               <a:ext uri="{C183D7F6-B498-43B3-948B-1728B52AA6E4}">
-                <adec:decorative xmlns:adec="http://schemas.microsoft.com/office/drawing/2017/decorative" val="1"/>
+                <adec:decorative xmlns:adec="http://schemas.microsoft.com/office/drawing/2017/decorative" xmlns="" val="1"/>
               </a:ext>
             </a:extLst>
           </p:cNvPr>
@@ -7708,7 +8011,7 @@
                 <a16:creationId xmlns:a16="http://schemas.microsoft.com/office/drawing/2014/main" id="{34ABFBEA-4EB0-4D02-A2C0-1733CD3D6F12}"/>
               </a:ext>
               <a:ext uri="{C183D7F6-B498-43B3-948B-1728B52AA6E4}">
-                <adec:decorative xmlns:adec="http://schemas.microsoft.com/office/drawing/2017/decorative" val="1"/>
+                <adec:decorative xmlns:adec="http://schemas.microsoft.com/office/drawing/2017/decorative" xmlns="" val="1"/>
               </a:ext>
             </a:extLst>
           </p:cNvPr>
@@ -7843,7 +8146,7 @@
                 <a16:creationId xmlns:a16="http://schemas.microsoft.com/office/drawing/2014/main" id="{19E083F6-57F4-487B-A766-EA0462B1EED8}"/>
               </a:ext>
               <a:ext uri="{C183D7F6-B498-43B3-948B-1728B52AA6E4}">
-                <adec:decorative xmlns:adec="http://schemas.microsoft.com/office/drawing/2017/decorative" val="1"/>
+                <adec:decorative xmlns:adec="http://schemas.microsoft.com/office/drawing/2017/decorative" xmlns="" val="1"/>
               </a:ext>
             </a:extLst>
           </p:cNvPr>
@@ -8057,7 +8360,7 @@
                 <a16:creationId xmlns:a16="http://schemas.microsoft.com/office/drawing/2014/main" id="{7A18C9FB-EC4C-4DAE-8F7D-C6E5AF607958}"/>
               </a:ext>
               <a:ext uri="{C183D7F6-B498-43B3-948B-1728B52AA6E4}">
-                <adec:decorative xmlns:adec="http://schemas.microsoft.com/office/drawing/2017/decorative" val="1"/>
+                <adec:decorative xmlns:adec="http://schemas.microsoft.com/office/drawing/2017/decorative" xmlns="" val="1"/>
               </a:ext>
             </a:extLst>
           </p:cNvPr>
@@ -8174,7 +8477,7 @@
                 <a16:creationId xmlns:a16="http://schemas.microsoft.com/office/drawing/2014/main" id="{00572931-961B-4A48-8B38-E9A9DB6E8111}"/>
               </a:ext>
               <a:ext uri="{C183D7F6-B498-43B3-948B-1728B52AA6E4}">
-                <adec:decorative xmlns:adec="http://schemas.microsoft.com/office/drawing/2017/decorative" val="1"/>
+                <adec:decorative xmlns:adec="http://schemas.microsoft.com/office/drawing/2017/decorative" xmlns="" val="1"/>
               </a:ext>
             </a:extLst>
           </p:cNvPr>
@@ -8323,7 +8626,7 @@
                 <a16:creationId xmlns:a16="http://schemas.microsoft.com/office/drawing/2014/main" id="{0F29AAD2-96E3-4A6F-9A5E-B6B9E7E11EC4}"/>
               </a:ext>
               <a:ext uri="{C183D7F6-B498-43B3-948B-1728B52AA6E4}">
-                <adec:decorative xmlns:adec="http://schemas.microsoft.com/office/drawing/2017/decorative" val="1"/>
+                <adec:decorative xmlns:adec="http://schemas.microsoft.com/office/drawing/2017/decorative" xmlns="" val="1"/>
               </a:ext>
             </a:extLst>
           </p:cNvPr>
@@ -8492,7 +8795,7 @@
                 <a16:creationId xmlns:a16="http://schemas.microsoft.com/office/drawing/2014/main" id="{4EC84841-2631-44D2-A01B-6AF0CF7F7393}"/>
               </a:ext>
               <a:ext uri="{C183D7F6-B498-43B3-948B-1728B52AA6E4}">
-                <adec:decorative xmlns:adec="http://schemas.microsoft.com/office/drawing/2017/decorative" val="1"/>
+                <adec:decorative xmlns:adec="http://schemas.microsoft.com/office/drawing/2017/decorative" xmlns="" val="1"/>
               </a:ext>
             </a:extLst>
           </p:cNvPr>
